--- a/XSSFuzzer.pptx
+++ b/XSSFuzzer.pptx
@@ -9798,6 +9798,22 @@
           <a:p>
             <a:r>
               <a:rPr lang="en-US" dirty="0"/>
+              <a:t>Basic fuzzing list: </a:t>
+            </a:r>
+            <a:r>
+              <a:rPr lang="en-US" dirty="0">
+                <a:hlinkClick r:id="rId4"/>
+              </a:rPr>
+              <a:t>https://xssfuzzer.com/Lists.txt</a:t>
+            </a:r>
+            <a:r>
+              <a:rPr lang="en-US" dirty="0"/>
+              <a:t> </a:t>
+            </a:r>
+          </a:p>
+          <a:p>
+            <a:r>
+              <a:rPr lang="en-US" dirty="0"/>
               <a:t>Demo</a:t>
             </a:r>
           </a:p>
@@ -10114,9 +10130,6 @@
             </a:r>
             <a:endParaRPr lang="en-US" dirty="0"/>
           </a:p>
-          <a:p>
-            <a:endParaRPr lang="en-US" dirty="0"/>
-          </a:p>
         </p:txBody>
       </p:sp>
     </p:spTree>
@@ -10207,6 +10220,51 @@
             <a:r>
               <a:rPr lang="en-US" dirty="0"/>
               <a:t>Or critics</a:t>
+            </a:r>
+          </a:p>
+        </p:txBody>
+      </p:sp>
+      <p:sp>
+        <p:nvSpPr>
+          <p:cNvPr id="4" name="TextBox 3">
+            <a:extLst>
+              <a:ext uri="{FF2B5EF4-FFF2-40B4-BE49-F238E27FC236}">
+                <a16:creationId xmlns:a16="http://schemas.microsoft.com/office/drawing/2014/main" id="{2BCEF7DE-9D7D-564B-9A7D-C54BB4116EAE}"/>
+              </a:ext>
+            </a:extLst>
+          </p:cNvPr>
+          <p:cNvSpPr txBox="1"/>
+          <p:nvPr/>
+        </p:nvSpPr>
+        <p:spPr>
+          <a:xfrm>
+            <a:off x="677334" y="3723587"/>
+            <a:ext cx="7164371" cy="461665"/>
+          </a:xfrm>
+          <a:prstGeom prst="rect">
+            <a:avLst/>
+          </a:prstGeom>
+          <a:noFill/>
+        </p:spPr>
+        <p:txBody>
+          <a:bodyPr wrap="square" rtlCol="0">
+            <a:spAutoFit/>
+          </a:bodyPr>
+          <a:lstStyle/>
+          <a:p>
+            <a:r>
+              <a:rPr lang="en-US" sz="2400" dirty="0"/>
+              <a:t>GitHub: </a:t>
+            </a:r>
+            <a:r>
+              <a:rPr lang="en-US" sz="2400" dirty="0">
+                <a:hlinkClick r:id="rId2"/>
+              </a:rPr>
+              <a:t>https://github.com/NytroRST/XSSFuzzer</a:t>
+            </a:r>
+            <a:r>
+              <a:rPr lang="en-US" sz="2400" dirty="0"/>
+              <a:t> </a:t>
             </a:r>
           </a:p>
         </p:txBody>
